--- a/Presentation.pptx
+++ b/Presentation.pptx
@@ -17,21 +17,22 @@
     <p:sldId id="262" r:id="rId12"/>
     <p:sldId id="263" r:id="rId13"/>
     <p:sldId id="264" r:id="rId14"/>
+    <p:sldId id="265" r:id="rId15"/>
   </p:sldIdLst>
   <p:sldSz cy="5143500" cx="9144000"/>
   <p:notesSz cx="6858000" cy="9144000"/>
   <p:embeddedFontLst>
     <p:embeddedFont>
       <p:font typeface="Roboto Slab"/>
-      <p:regular r:id="rId15"/>
-      <p:bold r:id="rId16"/>
+      <p:regular r:id="rId16"/>
+      <p:bold r:id="rId17"/>
     </p:embeddedFont>
     <p:embeddedFont>
       <p:font typeface="Roboto"/>
-      <p:regular r:id="rId17"/>
-      <p:bold r:id="rId18"/>
-      <p:italic r:id="rId19"/>
-      <p:boldItalic r:id="rId20"/>
+      <p:regular r:id="rId18"/>
+      <p:bold r:id="rId19"/>
+      <p:italic r:id="rId20"/>
+      <p:boldItalic r:id="rId21"/>
     </p:embeddedFont>
   </p:embeddedFontLst>
   <p:defaultTextStyle>
@@ -807,6 +808,105 @@
 </p:notes>
 </file>
 
+<file path=ppt/notesSlides/notesSlide10.xml><?xml version="1.0" encoding="utf-8"?>
+<p:notes xmlns:a="http://schemas.openxmlformats.org/drawingml/2006/main" xmlns:r="http://schemas.openxmlformats.org/officeDocument/2006/relationships" xmlns:mc="http://schemas.openxmlformats.org/markup-compatibility/2006" xmlns:mv="urn:schemas-microsoft-com:mac:vml" xmlns:p="http://schemas.openxmlformats.org/presentationml/2006/main" xmlns:c="http://schemas.openxmlformats.org/drawingml/2006/chart" xmlns:dgm="http://schemas.openxmlformats.org/drawingml/2006/diagram" xmlns:o="urn:schemas-microsoft-com:office:office" xmlns:v="urn:schemas-microsoft-com:vml" xmlns:pvml="urn:schemas-microsoft-com:office:powerpoint" xmlns:com="http://schemas.openxmlformats.org/drawingml/2006/compatibility" xmlns:p14="http://schemas.microsoft.com/office/powerpoint/2010/main" xmlns:p15="http://schemas.microsoft.com/office/powerpoint/2012/main" xmlns:ahyp="http://schemas.microsoft.com/office/drawing/2018/hyperlinkcolor" showMasterPhAnim="0" showMasterSp="0">
+  <p:cSld>
+    <p:spTree>
+      <p:nvGrpSpPr>
+        <p:cNvPr id="137" name="Shape 137"/>
+        <p:cNvGrpSpPr/>
+        <p:nvPr/>
+      </p:nvGrpSpPr>
+      <p:grpSpPr>
+        <a:xfrm>
+          <a:off x="0" y="0"/>
+          <a:ext cx="0" cy="0"/>
+          <a:chOff x="0" y="0"/>
+          <a:chExt cx="0" cy="0"/>
+        </a:xfrm>
+      </p:grpSpPr>
+      <p:sp>
+        <p:nvSpPr>
+          <p:cNvPr id="138" name="Google Shape;138;g2077bd558b6_0_124:notes"/>
+          <p:cNvSpPr/>
+          <p:nvPr>
+            <p:ph idx="2" type="sldImg"/>
+          </p:nvPr>
+        </p:nvSpPr>
+        <p:spPr>
+          <a:xfrm>
+            <a:off x="381300" y="685800"/>
+            <a:ext cx="6096000" cy="3429000"/>
+          </a:xfrm>
+          <a:custGeom>
+            <a:rect b="b" l="l" r="r" t="t"/>
+            <a:pathLst>
+              <a:path extrusionOk="0" h="120000" w="120000">
+                <a:moveTo>
+                  <a:pt x="0" y="0"/>
+                </a:moveTo>
+                <a:lnTo>
+                  <a:pt x="120000" y="0"/>
+                </a:lnTo>
+                <a:lnTo>
+                  <a:pt x="120000" y="120000"/>
+                </a:lnTo>
+                <a:lnTo>
+                  <a:pt x="0" y="120000"/>
+                </a:lnTo>
+                <a:close/>
+              </a:path>
+            </a:pathLst>
+          </a:custGeom>
+        </p:spPr>
+      </p:sp>
+      <p:sp>
+        <p:nvSpPr>
+          <p:cNvPr id="139" name="Google Shape;139;g2077bd558b6_0_124:notes"/>
+          <p:cNvSpPr txBox="1"/>
+          <p:nvPr>
+            <p:ph idx="1" type="body"/>
+          </p:nvPr>
+        </p:nvSpPr>
+        <p:spPr>
+          <a:xfrm>
+            <a:off x="685800" y="4343400"/>
+            <a:ext cx="5486400" cy="4114800"/>
+          </a:xfrm>
+          <a:prstGeom prst="rect">
+            <a:avLst/>
+          </a:prstGeom>
+        </p:spPr>
+        <p:txBody>
+          <a:bodyPr anchorCtr="0" anchor="t" bIns="91425" lIns="91425" spcFirstLastPara="1" rIns="91425" wrap="square" tIns="91425">
+            <a:noAutofit/>
+          </a:bodyPr>
+          <a:lstStyle/>
+          <a:p>
+            <a:pPr indent="0" lvl="0" marL="0" rtl="0" algn="l">
+              <a:spcBef>
+                <a:spcPts val="0"/>
+              </a:spcBef>
+              <a:spcAft>
+                <a:spcPts val="0"/>
+              </a:spcAft>
+              <a:buNone/>
+            </a:pPr>
+            <a:r>
+              <a:t/>
+            </a:r>
+            <a:endParaRPr/>
+          </a:p>
+        </p:txBody>
+      </p:sp>
+    </p:spTree>
+  </p:cSld>
+  <p:clrMapOvr>
+    <a:masterClrMapping/>
+  </p:clrMapOvr>
+</p:notes>
+</file>
+
 <file path=ppt/notesSlides/notesSlide2.xml><?xml version="1.0" encoding="utf-8"?>
 <p:notes xmlns:a="http://schemas.openxmlformats.org/drawingml/2006/main" xmlns:r="http://schemas.openxmlformats.org/officeDocument/2006/relationships" xmlns:mc="http://schemas.openxmlformats.org/markup-compatibility/2006" xmlns:mv="urn:schemas-microsoft-com:mac:vml" xmlns:p="http://schemas.openxmlformats.org/presentationml/2006/main" xmlns:c="http://schemas.openxmlformats.org/drawingml/2006/chart" xmlns:dgm="http://schemas.openxmlformats.org/drawingml/2006/diagram" xmlns:o="urn:schemas-microsoft-com:office:office" xmlns:v="urn:schemas-microsoft-com:vml" xmlns:pvml="urn:schemas-microsoft-com:office:powerpoint" xmlns:com="http://schemas.openxmlformats.org/drawingml/2006/compatibility" xmlns:p14="http://schemas.microsoft.com/office/powerpoint/2010/main" xmlns:p15="http://schemas.microsoft.com/office/powerpoint/2012/main" xmlns:ahyp="http://schemas.microsoft.com/office/drawing/2018/hyperlinkcolor" showMasterPhAnim="0" showMasterSp="0">
   <p:cSld>
@@ -1123,7 +1223,7 @@
       </p:grpSpPr>
       <p:sp>
         <p:nvSpPr>
-          <p:cNvPr id="92" name="Google Shape;92;g2077bd558b6_0_114:notes"/>
+          <p:cNvPr id="92" name="Google Shape;92;g2077bd558b6_0_119:notes"/>
           <p:cNvSpPr/>
           <p:nvPr>
             <p:ph idx="2" type="sldImg"/>
@@ -1158,7 +1258,7 @@
       </p:sp>
       <p:sp>
         <p:nvSpPr>
-          <p:cNvPr id="93" name="Google Shape;93;g2077bd558b6_0_114:notes"/>
+          <p:cNvPr id="93" name="Google Shape;93;g2077bd558b6_0_119:notes"/>
           <p:cNvSpPr txBox="1"/>
           <p:nvPr>
             <p:ph idx="1" type="body"/>
@@ -1222,7 +1322,7 @@
       </p:grpSpPr>
       <p:sp>
         <p:nvSpPr>
-          <p:cNvPr id="102" name="Google Shape;102;g2077bd558b6_0_151:notes"/>
+          <p:cNvPr id="102" name="Google Shape;102;g2077bd558b6_0_162:notes"/>
           <p:cNvSpPr/>
           <p:nvPr>
             <p:ph idx="2" type="sldImg"/>
@@ -1257,7 +1357,7 @@
       </p:sp>
       <p:sp>
         <p:nvSpPr>
-          <p:cNvPr id="103" name="Google Shape;103;g2077bd558b6_0_151:notes"/>
+          <p:cNvPr id="103" name="Google Shape;103;g2077bd558b6_0_162:notes"/>
           <p:cNvSpPr txBox="1"/>
           <p:nvPr>
             <p:ph idx="1" type="body"/>
@@ -1307,7 +1407,7 @@
   <p:cSld>
     <p:spTree>
       <p:nvGrpSpPr>
-        <p:cNvPr id="110" name="Shape 110"/>
+        <p:cNvPr id="109" name="Shape 109"/>
         <p:cNvGrpSpPr/>
         <p:nvPr/>
       </p:nvGrpSpPr>
@@ -1321,7 +1421,7 @@
       </p:grpSpPr>
       <p:sp>
         <p:nvSpPr>
-          <p:cNvPr id="111" name="Google Shape;111;g2077bd558b6_0_119:notes"/>
+          <p:cNvPr id="110" name="Google Shape;110;g2077bd558b6_0_170:notes"/>
           <p:cNvSpPr/>
           <p:nvPr>
             <p:ph idx="2" type="sldImg"/>
@@ -1356,7 +1456,7 @@
       </p:sp>
       <p:sp>
         <p:nvSpPr>
-          <p:cNvPr id="112" name="Google Shape;112;g2077bd558b6_0_119:notes"/>
+          <p:cNvPr id="111" name="Google Shape;111;g2077bd558b6_0_170:notes"/>
           <p:cNvSpPr txBox="1"/>
           <p:nvPr>
             <p:ph idx="1" type="body"/>
@@ -1406,7 +1506,7 @@
   <p:cSld>
     <p:spTree>
       <p:nvGrpSpPr>
-        <p:cNvPr id="120" name="Shape 120"/>
+        <p:cNvPr id="118" name="Shape 118"/>
         <p:cNvGrpSpPr/>
         <p:nvPr/>
       </p:nvGrpSpPr>
@@ -1420,7 +1520,7 @@
       </p:grpSpPr>
       <p:sp>
         <p:nvSpPr>
-          <p:cNvPr id="121" name="Google Shape;121;g2077bd558b6_0_162:notes"/>
+          <p:cNvPr id="119" name="Google Shape;119;g2077bd558b6_0_114:notes"/>
           <p:cNvSpPr/>
           <p:nvPr>
             <p:ph idx="2" type="sldImg"/>
@@ -1455,7 +1555,7 @@
       </p:sp>
       <p:sp>
         <p:nvSpPr>
-          <p:cNvPr id="122" name="Google Shape;122;g2077bd558b6_0_162:notes"/>
+          <p:cNvPr id="120" name="Google Shape;120;g2077bd558b6_0_114:notes"/>
           <p:cNvSpPr txBox="1"/>
           <p:nvPr>
             <p:ph idx="1" type="body"/>
@@ -1519,7 +1619,7 @@
       </p:grpSpPr>
       <p:sp>
         <p:nvSpPr>
-          <p:cNvPr id="129" name="Google Shape;129;g2077bd558b6_0_124:notes"/>
+          <p:cNvPr id="129" name="Google Shape;129;g2077bd558b6_0_151:notes"/>
           <p:cNvSpPr/>
           <p:nvPr>
             <p:ph idx="2" type="sldImg"/>
@@ -1554,7 +1654,7 @@
       </p:sp>
       <p:sp>
         <p:nvSpPr>
-          <p:cNvPr id="130" name="Google Shape;130;g2077bd558b6_0_124:notes"/>
+          <p:cNvPr id="130" name="Google Shape;130;g2077bd558b6_0_151:notes"/>
           <p:cNvSpPr txBox="1"/>
           <p:nvPr>
             <p:ph idx="1" type="body"/>
@@ -7001,7 +7101,7 @@
             </a:pPr>
             <a:r>
               <a:rPr lang="en"/>
-              <a:t>Dataset Information</a:t>
+              <a:t>Dataset Information:</a:t>
             </a:r>
             <a:endParaRPr/>
           </a:p>
@@ -7052,6 +7152,191 @@
       <p:sp>
         <p:nvSpPr>
           <p:cNvPr id="65" name="Google Shape;65;p13"/>
+          <p:cNvSpPr txBox="1"/>
+          <p:nvPr>
+            <p:ph idx="12" type="sldNum"/>
+          </p:nvPr>
+        </p:nvSpPr>
+        <p:spPr>
+          <a:xfrm>
+            <a:off x="8472458" y="4663217"/>
+            <a:ext cx="548700" cy="393600"/>
+          </a:xfrm>
+          <a:prstGeom prst="rect">
+            <a:avLst/>
+          </a:prstGeom>
+        </p:spPr>
+        <p:txBody>
+          <a:bodyPr anchorCtr="0" anchor="ctr" bIns="91425" lIns="91425" spcFirstLastPara="1" rIns="91425" wrap="square" tIns="91425">
+            <a:normAutofit/>
+          </a:bodyPr>
+          <a:lstStyle/>
+          <a:p>
+            <a:pPr indent="0" lvl="0" marL="0" rtl="0" algn="r">
+              <a:spcBef>
+                <a:spcPts val="0"/>
+              </a:spcBef>
+              <a:spcAft>
+                <a:spcPts val="0"/>
+              </a:spcAft>
+              <a:buNone/>
+            </a:pPr>
+            <a:fld id="{00000000-1234-1234-1234-123412341234}" type="slidenum">
+              <a:rPr lang="en"/>
+              <a:t>‹#›</a:t>
+            </a:fld>
+            <a:endParaRPr/>
+          </a:p>
+        </p:txBody>
+      </p:sp>
+    </p:spTree>
+  </p:cSld>
+  <p:clrMapOvr>
+    <a:masterClrMapping/>
+  </p:clrMapOvr>
+</p:sld>
+</file>
+
+<file path=ppt/slides/slide10.xml><?xml version="1.0" encoding="utf-8"?>
+<p:sld xmlns:a="http://schemas.openxmlformats.org/drawingml/2006/main" xmlns:r="http://schemas.openxmlformats.org/officeDocument/2006/relationships" xmlns:mc="http://schemas.openxmlformats.org/markup-compatibility/2006" xmlns:mv="urn:schemas-microsoft-com:mac:vml" xmlns:p="http://schemas.openxmlformats.org/presentationml/2006/main" xmlns:c="http://schemas.openxmlformats.org/drawingml/2006/chart" xmlns:dgm="http://schemas.openxmlformats.org/drawingml/2006/diagram" xmlns:o="urn:schemas-microsoft-com:office:office" xmlns:v="urn:schemas-microsoft-com:vml" xmlns:pvml="urn:schemas-microsoft-com:office:powerpoint" xmlns:com="http://schemas.openxmlformats.org/drawingml/2006/compatibility" xmlns:p14="http://schemas.microsoft.com/office/powerpoint/2010/main" xmlns:p15="http://schemas.microsoft.com/office/powerpoint/2012/main" xmlns:ahyp="http://schemas.microsoft.com/office/drawing/2018/hyperlinkcolor">
+  <p:cSld>
+    <p:spTree>
+      <p:nvGrpSpPr>
+        <p:cNvPr id="140" name="Shape 140"/>
+        <p:cNvGrpSpPr/>
+        <p:nvPr/>
+      </p:nvGrpSpPr>
+      <p:grpSpPr>
+        <a:xfrm>
+          <a:off x="0" y="0"/>
+          <a:ext cx="0" cy="0"/>
+          <a:chOff x="0" y="0"/>
+          <a:chExt cx="0" cy="0"/>
+        </a:xfrm>
+      </p:grpSpPr>
+      <p:sp>
+        <p:nvSpPr>
+          <p:cNvPr id="141" name="Google Shape;141;p22"/>
+          <p:cNvSpPr txBox="1"/>
+          <p:nvPr>
+            <p:ph type="title"/>
+          </p:nvPr>
+        </p:nvSpPr>
+        <p:spPr>
+          <a:xfrm>
+            <a:off x="387900" y="458025"/>
+            <a:ext cx="8368200" cy="686100"/>
+          </a:xfrm>
+          <a:prstGeom prst="rect">
+            <a:avLst/>
+          </a:prstGeom>
+        </p:spPr>
+        <p:txBody>
+          <a:bodyPr anchorCtr="0" anchor="b" bIns="91425" lIns="91425" spcFirstLastPara="1" rIns="91425" wrap="square" tIns="91425">
+            <a:normAutofit/>
+          </a:bodyPr>
+          <a:lstStyle/>
+          <a:p>
+            <a:pPr indent="0" lvl="0" marL="0" rtl="0" algn="l">
+              <a:spcBef>
+                <a:spcPts val="0"/>
+              </a:spcBef>
+              <a:spcAft>
+                <a:spcPts val="0"/>
+              </a:spcAft>
+              <a:buNone/>
+            </a:pPr>
+            <a:r>
+              <a:rPr lang="en"/>
+              <a:t>Large vs. Small Companies: How to Choose?</a:t>
+            </a:r>
+            <a:endParaRPr/>
+          </a:p>
+        </p:txBody>
+      </p:sp>
+      <p:sp>
+        <p:nvSpPr>
+          <p:cNvPr id="142" name="Google Shape;142;p22"/>
+          <p:cNvSpPr txBox="1"/>
+          <p:nvPr>
+            <p:ph idx="1" type="body"/>
+          </p:nvPr>
+        </p:nvSpPr>
+        <p:spPr>
+          <a:xfrm>
+            <a:off x="387900" y="1489824"/>
+            <a:ext cx="8368200" cy="3078900"/>
+          </a:xfrm>
+          <a:prstGeom prst="rect">
+            <a:avLst/>
+          </a:prstGeom>
+        </p:spPr>
+        <p:txBody>
+          <a:bodyPr anchorCtr="0" anchor="t" bIns="91425" lIns="91425" spcFirstLastPara="1" rIns="91425" wrap="square" tIns="91425">
+            <a:normAutofit/>
+          </a:bodyPr>
+          <a:lstStyle/>
+          <a:p>
+            <a:pPr indent="0" lvl="0" marL="0" rtl="0" algn="l">
+              <a:spcBef>
+                <a:spcPts val="0"/>
+              </a:spcBef>
+              <a:spcAft>
+                <a:spcPts val="0"/>
+              </a:spcAft>
+              <a:buNone/>
+            </a:pPr>
+            <a:r>
+              <a:rPr lang="en"/>
+              <a:t>Following the analysis of the 2014 dataset, one can find themselves facing an important question: Would it be better for my mental health to work in a small company or a large one? </a:t>
+            </a:r>
+            <a:endParaRPr/>
+          </a:p>
+          <a:p>
+            <a:pPr indent="0" lvl="0" marL="0" rtl="0" algn="l">
+              <a:spcBef>
+                <a:spcPts val="1200"/>
+              </a:spcBef>
+              <a:spcAft>
+                <a:spcPts val="0"/>
+              </a:spcAft>
+              <a:buNone/>
+            </a:pPr>
+            <a:r>
+              <a:rPr lang="en"/>
+              <a:t>While the studies shown above have proved that an employee in a larger firm is more </a:t>
+            </a:r>
+            <a:r>
+              <a:rPr lang="en"/>
+              <a:t>susceptible</a:t>
+            </a:r>
+            <a:r>
+              <a:rPr lang="en"/>
+              <a:t> to suffer from mental health issues, employees with minimal coworker relationships suffered the same consequences. </a:t>
+            </a:r>
+            <a:endParaRPr/>
+          </a:p>
+          <a:p>
+            <a:pPr indent="0" lvl="0" marL="0" rtl="0" algn="l">
+              <a:spcBef>
+                <a:spcPts val="1200"/>
+              </a:spcBef>
+              <a:spcAft>
+                <a:spcPts val="1200"/>
+              </a:spcAft>
+              <a:buNone/>
+            </a:pPr>
+            <a:r>
+              <a:rPr lang="en"/>
+              <a:t>After observing these statistics, one may find that a smaller company will provide more benefits towards the mental health of its employees. </a:t>
+            </a:r>
+            <a:endParaRPr/>
+          </a:p>
+        </p:txBody>
+      </p:sp>
+      <p:sp>
+        <p:nvSpPr>
+          <p:cNvPr id="143" name="Google Shape;143;p22"/>
           <p:cNvSpPr txBox="1"/>
           <p:nvPr>
             <p:ph idx="12" type="sldNum"/>
@@ -7178,6 +7463,9 @@
           <a:lstStyle/>
           <a:p>
             <a:pPr indent="0" lvl="0" marL="0" rtl="0" algn="l">
+              <a:lnSpc>
+                <a:spcPct val="95000"/>
+              </a:lnSpc>
               <a:spcBef>
                 <a:spcPts val="0"/>
               </a:spcBef>
@@ -7189,10 +7477,13 @@
             <a:r>
               <a:t/>
             </a:r>
-            <a:endParaRPr/>
+            <a:endParaRPr sz="1700"/>
           </a:p>
           <a:p>
             <a:pPr indent="0" lvl="0" marL="0" rtl="0" algn="l">
+              <a:lnSpc>
+                <a:spcPct val="95000"/>
+              </a:lnSpc>
               <a:spcBef>
                 <a:spcPts val="1200"/>
               </a:spcBef>
@@ -7204,10 +7495,13 @@
             <a:r>
               <a:t/>
             </a:r>
-            <a:endParaRPr/>
+            <a:endParaRPr sz="1700"/>
           </a:p>
           <a:p>
             <a:pPr indent="0" lvl="0" marL="0" rtl="0" algn="l">
+              <a:lnSpc>
+                <a:spcPct val="95000"/>
+              </a:lnSpc>
               <a:spcBef>
                 <a:spcPts val="1200"/>
               </a:spcBef>
@@ -7219,10 +7513,13 @@
             <a:r>
               <a:t/>
             </a:r>
-            <a:endParaRPr/>
+            <a:endParaRPr sz="1700"/>
           </a:p>
           <a:p>
             <a:pPr indent="0" lvl="0" marL="0" rtl="0" algn="l">
+              <a:lnSpc>
+                <a:spcPct val="95000"/>
+              </a:lnSpc>
               <a:spcBef>
                 <a:spcPts val="1200"/>
               </a:spcBef>
@@ -7234,10 +7531,13 @@
             <a:r>
               <a:t/>
             </a:r>
-            <a:endParaRPr/>
+            <a:endParaRPr sz="1700"/>
           </a:p>
           <a:p>
             <a:pPr indent="0" lvl="0" marL="0" rtl="0" algn="l">
+              <a:lnSpc>
+                <a:spcPct val="95000"/>
+              </a:lnSpc>
               <a:spcBef>
                 <a:spcPts val="1200"/>
               </a:spcBef>
@@ -7249,28 +7549,96 @@
             <a:r>
               <a:t/>
             </a:r>
-            <a:endParaRPr/>
+            <a:endParaRPr sz="1700"/>
           </a:p>
           <a:p>
             <a:pPr indent="0" lvl="0" marL="0" rtl="0" algn="l">
+              <a:lnSpc>
+                <a:spcPct val="95000"/>
+              </a:lnSpc>
               <a:spcBef>
                 <a:spcPts val="1200"/>
               </a:spcBef>
               <a:spcAft>
-                <a:spcPts val="1200"/>
+                <a:spcPts val="0"/>
               </a:spcAft>
               <a:buNone/>
             </a:pPr>
             <a:r>
-              <a:rPr lang="en" sz="1540">
+              <a:rPr lang="en" sz="1440">
                 <a:latin typeface="Roboto Slab"/>
                 <a:ea typeface="Roboto Slab"/>
                 <a:cs typeface="Roboto Slab"/>
                 <a:sym typeface="Roboto Slab"/>
               </a:rPr>
-              <a:t>The hypothesis is that ageing increases mental health issues in tech.   We wished to examine how age affects mental illness. Step one was to split data in three age categories - Young (20-32), Middle (33-43), and Senior (44-55). Analysis shows the direct effect of age on mental health . We can conclude that additional 5% of tech professionals admitting mental health issues as age goes + 10 years. </a:t>
+              <a:t> </a:t>
             </a:r>
-            <a:endParaRPr sz="340">
+            <a:endParaRPr sz="1440">
+              <a:latin typeface="Roboto Slab"/>
+              <a:ea typeface="Roboto Slab"/>
+              <a:cs typeface="Roboto Slab"/>
+              <a:sym typeface="Roboto Slab"/>
+            </a:endParaRPr>
+          </a:p>
+          <a:p>
+            <a:pPr indent="0" lvl="0" marL="0" rtl="0" algn="l">
+              <a:lnSpc>
+                <a:spcPct val="95000"/>
+              </a:lnSpc>
+              <a:spcBef>
+                <a:spcPts val="1200"/>
+              </a:spcBef>
+              <a:spcAft>
+                <a:spcPts val="1200"/>
+              </a:spcAft>
+              <a:buNone/>
+            </a:pPr>
+            <a:r>
+              <a:rPr lang="en" sz="1440">
+                <a:latin typeface="Roboto Slab"/>
+                <a:ea typeface="Roboto Slab"/>
+                <a:cs typeface="Roboto Slab"/>
+                <a:sym typeface="Roboto Slab"/>
+              </a:rPr>
+              <a:t>We wished to examine how open employees to discuss mental health issues with their employers in different age stages. Step one was to split data in three age categories - Young (20-32), Middle (33-43), and Senior (44-55). Analysis shows the direct effect of age on mental health . We can conclude that additional 5% of tech professionals </a:t>
+            </a:r>
+            <a:r>
+              <a:rPr lang="en" sz="1440">
+                <a:latin typeface="Roboto Slab"/>
+                <a:ea typeface="Roboto Slab"/>
+                <a:cs typeface="Roboto Slab"/>
+                <a:sym typeface="Roboto Slab"/>
+              </a:rPr>
+              <a:t>believe</a:t>
+            </a:r>
+            <a:r>
+              <a:rPr lang="en" sz="1440">
+                <a:latin typeface="Roboto Slab"/>
+                <a:ea typeface="Roboto Slab"/>
+                <a:cs typeface="Roboto Slab"/>
+                <a:sym typeface="Roboto Slab"/>
+              </a:rPr>
+              <a:t> that admitting mental health problems to their employer will </a:t>
+            </a:r>
+            <a:r>
+              <a:rPr lang="en" sz="1440">
+                <a:latin typeface="Roboto Slab"/>
+                <a:ea typeface="Roboto Slab"/>
+                <a:cs typeface="Roboto Slab"/>
+                <a:sym typeface="Roboto Slab"/>
+              </a:rPr>
+              <a:t>affect</a:t>
+            </a:r>
+            <a:r>
+              <a:rPr lang="en" sz="1440">
+                <a:latin typeface="Roboto Slab"/>
+                <a:ea typeface="Roboto Slab"/>
+                <a:cs typeface="Roboto Slab"/>
+                <a:sym typeface="Roboto Slab"/>
+              </a:rPr>
+              <a:t> their job </a:t>
+            </a:r>
+            <a:endParaRPr sz="240">
               <a:solidFill>
                 <a:srgbClr val="222222"/>
               </a:solidFill>
@@ -7834,7 +8202,43 @@
                 <a:cs typeface="Roboto Slab"/>
                 <a:sym typeface="Roboto Slab"/>
               </a:rPr>
-              <a:t>Analysis shows that gender is correlated with the prevalence of mental disorders in tech. Women are more likely to admit mental health issues - only 28.35% of women had no mental health consequence; for men - 41.85% had no mental health issues</a:t>
+              <a:t>Analysis shows that gender is correlated with the prevalence of mental disorders in tech. Women are more likely to </a:t>
+            </a:r>
+            <a:r>
+              <a:rPr lang="en" sz="1670">
+                <a:latin typeface="Roboto Slab"/>
+                <a:ea typeface="Roboto Slab"/>
+                <a:cs typeface="Roboto Slab"/>
+                <a:sym typeface="Roboto Slab"/>
+              </a:rPr>
+              <a:t>believe that</a:t>
+            </a:r>
+            <a:r>
+              <a:rPr lang="en" sz="1670">
+                <a:latin typeface="Roboto Slab"/>
+                <a:ea typeface="Roboto Slab"/>
+                <a:cs typeface="Roboto Slab"/>
+                <a:sym typeface="Roboto Slab"/>
+              </a:rPr>
+              <a:t> </a:t>
+            </a:r>
+            <a:r>
+              <a:rPr lang="en" sz="1670">
+                <a:latin typeface="Roboto Slab"/>
+                <a:ea typeface="Roboto Slab"/>
+                <a:cs typeface="Roboto Slab"/>
+                <a:sym typeface="Roboto Slab"/>
+              </a:rPr>
+              <a:t>admitting</a:t>
+            </a:r>
+            <a:r>
+              <a:rPr lang="en" sz="1670">
+                <a:latin typeface="Roboto Slab"/>
+                <a:ea typeface="Roboto Slab"/>
+                <a:cs typeface="Roboto Slab"/>
+                <a:sym typeface="Roboto Slab"/>
+              </a:rPr>
+              <a:t> mental health issues - 28.35% will have consequences; for men - 21.14%.</a:t>
             </a:r>
             <a:endParaRPr sz="1670">
               <a:latin typeface="Roboto Slab"/>
@@ -8101,7 +8505,7 @@
           </a:bodyPr>
           <a:lstStyle/>
           <a:p>
-            <a:pPr indent="0" lvl="0" marL="0" rtl="0" algn="l">
+            <a:pPr indent="0" lvl="0" marL="0" rtl="0" algn="ctr">
               <a:spcBef>
                 <a:spcPts val="0"/>
               </a:spcBef>
@@ -8113,7 +8517,7 @@
             </a:pPr>
             <a:r>
               <a:rPr lang="en" sz="2200"/>
-              <a:t>Correlation between benefits and mental health consequence</a:t>
+              <a:t>Correlation between benefits and mental health </a:t>
             </a:r>
             <a:endParaRPr sz="2200"/>
           </a:p>
@@ -8235,7 +8639,7 @@
         <p:spPr>
           <a:xfrm>
             <a:off x="346375" y="3455525"/>
-            <a:ext cx="8451300" cy="1340100"/>
+            <a:ext cx="8451300" cy="1577400"/>
           </a:xfrm>
           <a:prstGeom prst="rect">
             <a:avLst/>
@@ -8273,7 +8677,7 @@
                 <a:cs typeface="Roboto Slab"/>
                 <a:sym typeface="Roboto Slab"/>
               </a:rPr>
-              <a:t>The hypothesis is that company health benefits lower mental health issues in tech. Data analysis show insignificant difference of tech professionals who have no mental health issues between companies that offer benefits and companies that do not - 36.46% vs 37.74%. Percentage of tech specialists who confirmed mental health consequence is lower in companies that offer benefits and/or unsure (don’t know) comparing to companies who do not offer benefits - 21.4% and 18.67% vs 28.93%.</a:t>
+              <a:t>The hypothesis is that company health benefits lower mental health issues in tech. Data analysis show insignificant difference of tech professionals who are not afraid of mental health consequences between companies that offer benefits and companies that do not - 36.46% vs 37.74%. Percentage of tech specialists who confirmed mental health consequence is lower in companies that offer benefits and/or unsure (don’t know) comparing to companies who do not offer benefits - 21.4% and 18.67% vs 28.93%.</a:t>
             </a:r>
             <a:endParaRPr sz="1240">
               <a:latin typeface="Roboto"/>
@@ -8343,7 +8747,7 @@
             </a:pPr>
             <a:r>
               <a:rPr lang="en"/>
-              <a:t>Correlation Between Company Size and Mental Health Consequences</a:t>
+              <a:t>Correlation Between Colleague Relationships and Mental Health Consequences</a:t>
             </a:r>
             <a:endParaRPr/>
           </a:p>
@@ -8359,8 +8763,8 @@
         </p:nvSpPr>
         <p:spPr>
           <a:xfrm>
-            <a:off x="387900" y="1489825"/>
-            <a:ext cx="3999900" cy="3078900"/>
+            <a:off x="387900" y="1334900"/>
+            <a:ext cx="8368200" cy="1753200"/>
           </a:xfrm>
           <a:prstGeom prst="rect">
             <a:avLst/>
@@ -8368,7 +8772,7 @@
         </p:spPr>
         <p:txBody>
           <a:bodyPr anchorCtr="0" anchor="t" bIns="91425" lIns="91425" spcFirstLastPara="1" rIns="91425" wrap="square" tIns="91425">
-            <a:normAutofit/>
+            <a:normAutofit lnSpcReduction="20000"/>
           </a:bodyPr>
           <a:lstStyle/>
           <a:p>
@@ -8383,11 +8787,7 @@
             </a:pPr>
             <a:r>
               <a:rPr lang="en"/>
-              <a:t>Being in a bustling work </a:t>
-            </a:r>
-            <a:r>
-              <a:rPr lang="en"/>
-              <a:t>environment lends itself to a multitude of benefits, but how does the size of a company impact the mental health of its employees? </a:t>
+              <a:t>How do interpersonal relationships affect an employees mental health?</a:t>
             </a:r>
             <a:endParaRPr/>
           </a:p>
@@ -8403,7 +8803,7 @@
             </a:pPr>
             <a:r>
               <a:rPr lang="en"/>
-              <a:t>After splitting the data by company sizes ranging from tiny, (6-25 employees), to large, (&gt;1000 employees), it was further reduced by mental health condition.  Shown are the percentages of employees with mental health effects, organized by company size. </a:t>
+              <a:t>The data was reduced by whether or not an employee felt comfortable opening up to their colleagues, and if they also suffered mental health consequences. Shown below are the percentages of different levels of colleague relationships and their consequences. </a:t>
             </a:r>
             <a:endParaRPr/>
           </a:p>
@@ -8465,8 +8865,8 @@
         </p:blipFill>
         <p:spPr>
           <a:xfrm>
-            <a:off x="6004950" y="3648550"/>
-            <a:ext cx="2668150" cy="1415400"/>
+            <a:off x="224725" y="3088100"/>
+            <a:ext cx="3098809" cy="1575125"/>
           </a:xfrm>
           <a:prstGeom prst="rect">
             <a:avLst/>
@@ -8493,8 +8893,8 @@
         </p:blipFill>
         <p:spPr>
           <a:xfrm>
-            <a:off x="6004950" y="634375"/>
-            <a:ext cx="2668150" cy="1616469"/>
+            <a:off x="3437126" y="3088100"/>
+            <a:ext cx="2607378" cy="1575125"/>
           </a:xfrm>
           <a:prstGeom prst="rect">
             <a:avLst/>
@@ -8521,8 +8921,8 @@
         </p:blipFill>
         <p:spPr>
           <a:xfrm>
-            <a:off x="4387800" y="2055325"/>
-            <a:ext cx="2668150" cy="1593216"/>
+            <a:off x="6158098" y="3088100"/>
+            <a:ext cx="2752489" cy="1575126"/>
           </a:xfrm>
           <a:prstGeom prst="rect">
             <a:avLst/>
@@ -8568,479 +8968,6 @@
         </p:nvSpPr>
         <p:spPr>
           <a:xfrm>
-            <a:off x="387900" y="458025"/>
-            <a:ext cx="8368200" cy="686100"/>
-          </a:xfrm>
-          <a:prstGeom prst="rect">
-            <a:avLst/>
-          </a:prstGeom>
-        </p:spPr>
-        <p:txBody>
-          <a:bodyPr anchorCtr="0" anchor="b" bIns="91425" lIns="91425" spcFirstLastPara="1" rIns="91425" wrap="square" tIns="91425">
-            <a:normAutofit/>
-          </a:bodyPr>
-          <a:lstStyle/>
-          <a:p>
-            <a:pPr indent="0" lvl="0" marL="0" rtl="0" algn="l">
-              <a:spcBef>
-                <a:spcPts val="0"/>
-              </a:spcBef>
-              <a:spcAft>
-                <a:spcPts val="0"/>
-              </a:spcAft>
-              <a:buNone/>
-            </a:pPr>
-            <a:r>
-              <a:rPr lang="en"/>
-              <a:t>Company Size vs. Mental Health, cont. </a:t>
-            </a:r>
-            <a:endParaRPr/>
-          </a:p>
-        </p:txBody>
-      </p:sp>
-      <p:sp>
-        <p:nvSpPr>
-          <p:cNvPr id="106" name="Google Shape;106;p18"/>
-          <p:cNvSpPr txBox="1"/>
-          <p:nvPr>
-            <p:ph idx="1" type="body"/>
-          </p:nvPr>
-        </p:nvSpPr>
-        <p:spPr>
-          <a:xfrm>
-            <a:off x="387900" y="1489825"/>
-            <a:ext cx="3999900" cy="3078900"/>
-          </a:xfrm>
-          <a:prstGeom prst="rect">
-            <a:avLst/>
-          </a:prstGeom>
-        </p:spPr>
-        <p:txBody>
-          <a:bodyPr anchorCtr="0" anchor="t" bIns="91425" lIns="91425" spcFirstLastPara="1" rIns="91425" wrap="square" tIns="91425">
-            <a:normAutofit lnSpcReduction="10000"/>
-          </a:bodyPr>
-          <a:lstStyle/>
-          <a:p>
-            <a:pPr indent="0" lvl="0" marL="0" rtl="0" algn="l">
-              <a:spcBef>
-                <a:spcPts val="0"/>
-              </a:spcBef>
-              <a:spcAft>
-                <a:spcPts val="0"/>
-              </a:spcAft>
-              <a:buNone/>
-            </a:pPr>
-            <a:r>
-              <a:rPr lang="en"/>
-              <a:t>After calculating the number of people who developed mental health issues in each size company, it was found that the greatest percentage of workers in small companies had no mental health issues, while the greater percentage of employees in large companies suffered critical mental health consequences. 19% of tiny companies had large effects, while 28.7% large companies had those same effects. </a:t>
-            </a:r>
-            <a:endParaRPr/>
-          </a:p>
-          <a:p>
-            <a:pPr indent="0" lvl="0" marL="0" rtl="0" algn="l">
-              <a:spcBef>
-                <a:spcPts val="1200"/>
-              </a:spcBef>
-              <a:spcAft>
-                <a:spcPts val="1200"/>
-              </a:spcAft>
-              <a:buNone/>
-            </a:pPr>
-            <a:r>
-              <a:rPr lang="en"/>
-              <a:t>Analysis shows that there is a strong correlation between a company’s size and the mental health of its employees. </a:t>
-            </a:r>
-            <a:endParaRPr/>
-          </a:p>
-        </p:txBody>
-      </p:sp>
-      <p:sp>
-        <p:nvSpPr>
-          <p:cNvPr id="107" name="Google Shape;107;p18"/>
-          <p:cNvSpPr txBox="1"/>
-          <p:nvPr>
-            <p:ph idx="2" type="body"/>
-          </p:nvPr>
-        </p:nvSpPr>
-        <p:spPr>
-          <a:xfrm>
-            <a:off x="4756200" y="1489825"/>
-            <a:ext cx="3999900" cy="3078900"/>
-          </a:xfrm>
-          <a:prstGeom prst="rect">
-            <a:avLst/>
-          </a:prstGeom>
-        </p:spPr>
-        <p:txBody>
-          <a:bodyPr anchorCtr="0" anchor="t" bIns="91425" lIns="91425" spcFirstLastPara="1" rIns="91425" wrap="square" tIns="91425">
-            <a:normAutofit/>
-          </a:bodyPr>
-          <a:lstStyle/>
-          <a:p>
-            <a:pPr indent="0" lvl="0" marL="0" rtl="0" algn="l">
-              <a:spcBef>
-                <a:spcPts val="0"/>
-              </a:spcBef>
-              <a:spcAft>
-                <a:spcPts val="1200"/>
-              </a:spcAft>
-              <a:buNone/>
-            </a:pPr>
-            <a:r>
-              <a:t/>
-            </a:r>
-            <a:endParaRPr/>
-          </a:p>
-        </p:txBody>
-      </p:sp>
-      <p:sp>
-        <p:nvSpPr>
-          <p:cNvPr id="108" name="Google Shape;108;p18"/>
-          <p:cNvSpPr txBox="1"/>
-          <p:nvPr>
-            <p:ph idx="12" type="sldNum"/>
-          </p:nvPr>
-        </p:nvSpPr>
-        <p:spPr>
-          <a:xfrm>
-            <a:off x="8472458" y="4663217"/>
-            <a:ext cx="548700" cy="393600"/>
-          </a:xfrm>
-          <a:prstGeom prst="rect">
-            <a:avLst/>
-          </a:prstGeom>
-        </p:spPr>
-        <p:txBody>
-          <a:bodyPr anchorCtr="0" anchor="ctr" bIns="91425" lIns="91425" spcFirstLastPara="1" rIns="91425" wrap="square" tIns="91425">
-            <a:normAutofit/>
-          </a:bodyPr>
-          <a:lstStyle/>
-          <a:p>
-            <a:pPr indent="0" lvl="0" marL="0" rtl="0" algn="r">
-              <a:spcBef>
-                <a:spcPts val="0"/>
-              </a:spcBef>
-              <a:spcAft>
-                <a:spcPts val="0"/>
-              </a:spcAft>
-              <a:buNone/>
-            </a:pPr>
-            <a:fld id="{00000000-1234-1234-1234-123412341234}" type="slidenum">
-              <a:rPr lang="en"/>
-              <a:t>‹#›</a:t>
-            </a:fld>
-            <a:endParaRPr/>
-          </a:p>
-        </p:txBody>
-      </p:sp>
-      <p:pic>
-        <p:nvPicPr>
-          <p:cNvPr id="109" name="Google Shape;109;p18"/>
-          <p:cNvPicPr preferRelativeResize="0"/>
-          <p:nvPr/>
-        </p:nvPicPr>
-        <p:blipFill>
-          <a:blip r:embed="rId3">
-            <a:alphaModFix/>
-          </a:blip>
-          <a:stretch>
-            <a:fillRect/>
-          </a:stretch>
-        </p:blipFill>
-        <p:spPr>
-          <a:xfrm>
-            <a:off x="4625925" y="1384755"/>
-            <a:ext cx="4130174" cy="3183970"/>
-          </a:xfrm>
-          <a:prstGeom prst="rect">
-            <a:avLst/>
-          </a:prstGeom>
-          <a:noFill/>
-          <a:ln>
-            <a:noFill/>
-          </a:ln>
-        </p:spPr>
-      </p:pic>
-    </p:spTree>
-  </p:cSld>
-  <p:clrMapOvr>
-    <a:masterClrMapping/>
-  </p:clrMapOvr>
-</p:sld>
-</file>
-
-<file path=ppt/slides/slide7.xml><?xml version="1.0" encoding="utf-8"?>
-<p:sld xmlns:a="http://schemas.openxmlformats.org/drawingml/2006/main" xmlns:r="http://schemas.openxmlformats.org/officeDocument/2006/relationships" xmlns:mc="http://schemas.openxmlformats.org/markup-compatibility/2006" xmlns:mv="urn:schemas-microsoft-com:mac:vml" xmlns:p="http://schemas.openxmlformats.org/presentationml/2006/main" xmlns:c="http://schemas.openxmlformats.org/drawingml/2006/chart" xmlns:dgm="http://schemas.openxmlformats.org/drawingml/2006/diagram" xmlns:o="urn:schemas-microsoft-com:office:office" xmlns:v="urn:schemas-microsoft-com:vml" xmlns:pvml="urn:schemas-microsoft-com:office:powerpoint" xmlns:com="http://schemas.openxmlformats.org/drawingml/2006/compatibility" xmlns:p14="http://schemas.microsoft.com/office/powerpoint/2010/main" xmlns:p15="http://schemas.microsoft.com/office/powerpoint/2012/main" xmlns:ahyp="http://schemas.microsoft.com/office/drawing/2018/hyperlinkcolor">
-  <p:cSld>
-    <p:spTree>
-      <p:nvGrpSpPr>
-        <p:cNvPr id="113" name="Shape 113"/>
-        <p:cNvGrpSpPr/>
-        <p:nvPr/>
-      </p:nvGrpSpPr>
-      <p:grpSpPr>
-        <a:xfrm>
-          <a:off x="0" y="0"/>
-          <a:ext cx="0" cy="0"/>
-          <a:chOff x="0" y="0"/>
-          <a:chExt cx="0" cy="0"/>
-        </a:xfrm>
-      </p:grpSpPr>
-      <p:sp>
-        <p:nvSpPr>
-          <p:cNvPr id="114" name="Google Shape;114;p19"/>
-          <p:cNvSpPr txBox="1"/>
-          <p:nvPr>
-            <p:ph type="title"/>
-          </p:nvPr>
-        </p:nvSpPr>
-        <p:spPr>
-          <a:xfrm>
-            <a:off x="387900" y="458025"/>
-            <a:ext cx="8368200" cy="686100"/>
-          </a:xfrm>
-          <a:prstGeom prst="rect">
-            <a:avLst/>
-          </a:prstGeom>
-        </p:spPr>
-        <p:txBody>
-          <a:bodyPr anchorCtr="0" anchor="b" bIns="91425" lIns="91425" spcFirstLastPara="1" rIns="91425" wrap="square" tIns="91425">
-            <a:normAutofit fontScale="90000"/>
-          </a:bodyPr>
-          <a:lstStyle/>
-          <a:p>
-            <a:pPr indent="0" lvl="0" marL="0" rtl="0" algn="l">
-              <a:spcBef>
-                <a:spcPts val="0"/>
-              </a:spcBef>
-              <a:spcAft>
-                <a:spcPts val="0"/>
-              </a:spcAft>
-              <a:buNone/>
-            </a:pPr>
-            <a:r>
-              <a:rPr lang="en"/>
-              <a:t>Correlation Between Colleague Relationships and Mental Health Consequences</a:t>
-            </a:r>
-            <a:endParaRPr/>
-          </a:p>
-        </p:txBody>
-      </p:sp>
-      <p:sp>
-        <p:nvSpPr>
-          <p:cNvPr id="115" name="Google Shape;115;p19"/>
-          <p:cNvSpPr txBox="1"/>
-          <p:nvPr>
-            <p:ph idx="1" type="body"/>
-          </p:nvPr>
-        </p:nvSpPr>
-        <p:spPr>
-          <a:xfrm>
-            <a:off x="387900" y="1334900"/>
-            <a:ext cx="8368200" cy="1753200"/>
-          </a:xfrm>
-          <a:prstGeom prst="rect">
-            <a:avLst/>
-          </a:prstGeom>
-        </p:spPr>
-        <p:txBody>
-          <a:bodyPr anchorCtr="0" anchor="t" bIns="91425" lIns="91425" spcFirstLastPara="1" rIns="91425" wrap="square" tIns="91425">
-            <a:normAutofit fontScale="85000" lnSpcReduction="20000"/>
-          </a:bodyPr>
-          <a:lstStyle/>
-          <a:p>
-            <a:pPr indent="0" lvl="0" marL="0" rtl="0" algn="l">
-              <a:spcBef>
-                <a:spcPts val="0"/>
-              </a:spcBef>
-              <a:spcAft>
-                <a:spcPts val="0"/>
-              </a:spcAft>
-              <a:buNone/>
-            </a:pPr>
-            <a:r>
-              <a:rPr lang="en"/>
-              <a:t>While larger work environments seem to negatively impact the mental health of its employees, it also provides them with greater opportunities to develop relationships with their colleagues. How do interpersonal relationships affect an employees mental health?</a:t>
-            </a:r>
-            <a:endParaRPr/>
-          </a:p>
-          <a:p>
-            <a:pPr indent="0" lvl="0" marL="0" rtl="0" algn="l">
-              <a:spcBef>
-                <a:spcPts val="1200"/>
-              </a:spcBef>
-              <a:spcAft>
-                <a:spcPts val="1200"/>
-              </a:spcAft>
-              <a:buNone/>
-            </a:pPr>
-            <a:r>
-              <a:rPr lang="en"/>
-              <a:t>The data was further reduced by whether or not an employee felt comfortable opening up to their colleagues, and if they also suffered mental health consequences. Shown below are the percentages of different levels of colleague relationships and their consequences. </a:t>
-            </a:r>
-            <a:endParaRPr/>
-          </a:p>
-        </p:txBody>
-      </p:sp>
-      <p:sp>
-        <p:nvSpPr>
-          <p:cNvPr id="116" name="Google Shape;116;p19"/>
-          <p:cNvSpPr txBox="1"/>
-          <p:nvPr>
-            <p:ph idx="12" type="sldNum"/>
-          </p:nvPr>
-        </p:nvSpPr>
-        <p:spPr>
-          <a:xfrm>
-            <a:off x="8472458" y="4663217"/>
-            <a:ext cx="548700" cy="393600"/>
-          </a:xfrm>
-          <a:prstGeom prst="rect">
-            <a:avLst/>
-          </a:prstGeom>
-        </p:spPr>
-        <p:txBody>
-          <a:bodyPr anchorCtr="0" anchor="ctr" bIns="91425" lIns="91425" spcFirstLastPara="1" rIns="91425" wrap="square" tIns="91425">
-            <a:normAutofit/>
-          </a:bodyPr>
-          <a:lstStyle/>
-          <a:p>
-            <a:pPr indent="0" lvl="0" marL="0" rtl="0" algn="r">
-              <a:spcBef>
-                <a:spcPts val="0"/>
-              </a:spcBef>
-              <a:spcAft>
-                <a:spcPts val="0"/>
-              </a:spcAft>
-              <a:buNone/>
-            </a:pPr>
-            <a:fld id="{00000000-1234-1234-1234-123412341234}" type="slidenum">
-              <a:rPr lang="en"/>
-              <a:t>‹#›</a:t>
-            </a:fld>
-            <a:endParaRPr/>
-          </a:p>
-        </p:txBody>
-      </p:sp>
-      <p:pic>
-        <p:nvPicPr>
-          <p:cNvPr id="117" name="Google Shape;117;p19"/>
-          <p:cNvPicPr preferRelativeResize="0"/>
-          <p:nvPr/>
-        </p:nvPicPr>
-        <p:blipFill>
-          <a:blip r:embed="rId3">
-            <a:alphaModFix/>
-          </a:blip>
-          <a:stretch>
-            <a:fillRect/>
-          </a:stretch>
-        </p:blipFill>
-        <p:spPr>
-          <a:xfrm>
-            <a:off x="224725" y="3088100"/>
-            <a:ext cx="3098809" cy="1575125"/>
-          </a:xfrm>
-          <a:prstGeom prst="rect">
-            <a:avLst/>
-          </a:prstGeom>
-          <a:noFill/>
-          <a:ln>
-            <a:noFill/>
-          </a:ln>
-        </p:spPr>
-      </p:pic>
-      <p:pic>
-        <p:nvPicPr>
-          <p:cNvPr id="118" name="Google Shape;118;p19"/>
-          <p:cNvPicPr preferRelativeResize="0"/>
-          <p:nvPr/>
-        </p:nvPicPr>
-        <p:blipFill>
-          <a:blip r:embed="rId4">
-            <a:alphaModFix/>
-          </a:blip>
-          <a:stretch>
-            <a:fillRect/>
-          </a:stretch>
-        </p:blipFill>
-        <p:spPr>
-          <a:xfrm>
-            <a:off x="3437126" y="3088100"/>
-            <a:ext cx="2607378" cy="1575125"/>
-          </a:xfrm>
-          <a:prstGeom prst="rect">
-            <a:avLst/>
-          </a:prstGeom>
-          <a:noFill/>
-          <a:ln>
-            <a:noFill/>
-          </a:ln>
-        </p:spPr>
-      </p:pic>
-      <p:pic>
-        <p:nvPicPr>
-          <p:cNvPr id="119" name="Google Shape;119;p19"/>
-          <p:cNvPicPr preferRelativeResize="0"/>
-          <p:nvPr/>
-        </p:nvPicPr>
-        <p:blipFill>
-          <a:blip r:embed="rId5">
-            <a:alphaModFix/>
-          </a:blip>
-          <a:stretch>
-            <a:fillRect/>
-          </a:stretch>
-        </p:blipFill>
-        <p:spPr>
-          <a:xfrm>
-            <a:off x="6158098" y="3088100"/>
-            <a:ext cx="2752489" cy="1575126"/>
-          </a:xfrm>
-          <a:prstGeom prst="rect">
-            <a:avLst/>
-          </a:prstGeom>
-          <a:noFill/>
-          <a:ln>
-            <a:noFill/>
-          </a:ln>
-        </p:spPr>
-      </p:pic>
-    </p:spTree>
-  </p:cSld>
-  <p:clrMapOvr>
-    <a:masterClrMapping/>
-  </p:clrMapOvr>
-</p:sld>
-</file>
-
-<file path=ppt/slides/slide8.xml><?xml version="1.0" encoding="utf-8"?>
-<p:sld xmlns:a="http://schemas.openxmlformats.org/drawingml/2006/main" xmlns:r="http://schemas.openxmlformats.org/officeDocument/2006/relationships" xmlns:mc="http://schemas.openxmlformats.org/markup-compatibility/2006" xmlns:mv="urn:schemas-microsoft-com:mac:vml" xmlns:p="http://schemas.openxmlformats.org/presentationml/2006/main" xmlns:c="http://schemas.openxmlformats.org/drawingml/2006/chart" xmlns:dgm="http://schemas.openxmlformats.org/drawingml/2006/diagram" xmlns:o="urn:schemas-microsoft-com:office:office" xmlns:v="urn:schemas-microsoft-com:vml" xmlns:pvml="urn:schemas-microsoft-com:office:powerpoint" xmlns:com="http://schemas.openxmlformats.org/drawingml/2006/compatibility" xmlns:p14="http://schemas.microsoft.com/office/powerpoint/2010/main" xmlns:p15="http://schemas.microsoft.com/office/powerpoint/2012/main" xmlns:ahyp="http://schemas.microsoft.com/office/drawing/2018/hyperlinkcolor">
-  <p:cSld>
-    <p:spTree>
-      <p:nvGrpSpPr>
-        <p:cNvPr id="123" name="Shape 123"/>
-        <p:cNvGrpSpPr/>
-        <p:nvPr/>
-      </p:nvGrpSpPr>
-      <p:grpSpPr>
-        <a:xfrm>
-          <a:off x="0" y="0"/>
-          <a:ext cx="0" cy="0"/>
-          <a:chOff x="0" y="0"/>
-          <a:chExt cx="0" cy="0"/>
-        </a:xfrm>
-      </p:grpSpPr>
-      <p:sp>
-        <p:nvSpPr>
-          <p:cNvPr id="124" name="Google Shape;124;p20"/>
-          <p:cNvSpPr txBox="1"/>
-          <p:nvPr>
-            <p:ph type="title"/>
-          </p:nvPr>
-        </p:nvSpPr>
-        <p:spPr>
-          <a:xfrm>
             <a:off x="265500" y="165900"/>
             <a:ext cx="4045200" cy="1506300"/>
           </a:xfrm>
@@ -9073,7 +9000,7 @@
       </p:sp>
       <p:sp>
         <p:nvSpPr>
-          <p:cNvPr id="125" name="Google Shape;125;p20"/>
+          <p:cNvPr id="106" name="Google Shape;106;p18"/>
           <p:cNvSpPr txBox="1"/>
           <p:nvPr>
             <p:ph idx="12" type="sldNum"/>
@@ -9113,7 +9040,7 @@
       </p:sp>
       <p:sp>
         <p:nvSpPr>
-          <p:cNvPr id="126" name="Google Shape;126;p20"/>
+          <p:cNvPr id="107" name="Google Shape;107;p18"/>
           <p:cNvSpPr txBox="1"/>
           <p:nvPr>
             <p:ph idx="1" type="subTitle"/>
@@ -9185,7 +9112,7 @@
       </p:sp>
       <p:pic>
         <p:nvPicPr>
-          <p:cNvPr id="127" name="Google Shape;127;p20"/>
+          <p:cNvPr id="108" name="Google Shape;108;p18"/>
           <p:cNvPicPr preferRelativeResize="0"/>
           <p:nvPr/>
         </p:nvPicPr>
@@ -9201,6 +9128,550 @@
           <a:xfrm>
             <a:off x="4726799" y="1052275"/>
             <a:ext cx="4262401" cy="3191450"/>
+          </a:xfrm>
+          <a:prstGeom prst="rect">
+            <a:avLst/>
+          </a:prstGeom>
+          <a:noFill/>
+          <a:ln>
+            <a:noFill/>
+          </a:ln>
+        </p:spPr>
+      </p:pic>
+    </p:spTree>
+  </p:cSld>
+  <p:clrMapOvr>
+    <a:masterClrMapping/>
+  </p:clrMapOvr>
+</p:sld>
+</file>
+
+<file path=ppt/slides/slide7.xml><?xml version="1.0" encoding="utf-8"?>
+<p:sld xmlns:a="http://schemas.openxmlformats.org/drawingml/2006/main" xmlns:r="http://schemas.openxmlformats.org/officeDocument/2006/relationships" xmlns:mc="http://schemas.openxmlformats.org/markup-compatibility/2006" xmlns:mv="urn:schemas-microsoft-com:mac:vml" xmlns:p="http://schemas.openxmlformats.org/presentationml/2006/main" xmlns:c="http://schemas.openxmlformats.org/drawingml/2006/chart" xmlns:dgm="http://schemas.openxmlformats.org/drawingml/2006/diagram" xmlns:o="urn:schemas-microsoft-com:office:office" xmlns:v="urn:schemas-microsoft-com:vml" xmlns:pvml="urn:schemas-microsoft-com:office:powerpoint" xmlns:com="http://schemas.openxmlformats.org/drawingml/2006/compatibility" xmlns:p14="http://schemas.microsoft.com/office/powerpoint/2010/main" xmlns:p15="http://schemas.microsoft.com/office/powerpoint/2012/main" xmlns:ahyp="http://schemas.microsoft.com/office/drawing/2018/hyperlinkcolor">
+  <p:cSld>
+    <p:spTree>
+      <p:nvGrpSpPr>
+        <p:cNvPr id="112" name="Shape 112"/>
+        <p:cNvGrpSpPr/>
+        <p:nvPr/>
+      </p:nvGrpSpPr>
+      <p:grpSpPr>
+        <a:xfrm>
+          <a:off x="0" y="0"/>
+          <a:ext cx="0" cy="0"/>
+          <a:chOff x="0" y="0"/>
+          <a:chExt cx="0" cy="0"/>
+        </a:xfrm>
+      </p:grpSpPr>
+      <p:sp>
+        <p:nvSpPr>
+          <p:cNvPr id="113" name="Google Shape;113;p19"/>
+          <p:cNvSpPr txBox="1"/>
+          <p:nvPr>
+            <p:ph type="title"/>
+          </p:nvPr>
+        </p:nvSpPr>
+        <p:spPr>
+          <a:xfrm>
+            <a:off x="387900" y="458025"/>
+            <a:ext cx="8368200" cy="686100"/>
+          </a:xfrm>
+          <a:prstGeom prst="rect">
+            <a:avLst/>
+          </a:prstGeom>
+        </p:spPr>
+        <p:txBody>
+          <a:bodyPr anchorCtr="0" anchor="b" bIns="91425" lIns="91425" spcFirstLastPara="1" rIns="91425" wrap="square" tIns="91425">
+            <a:normAutofit/>
+          </a:bodyPr>
+          <a:lstStyle/>
+          <a:p>
+            <a:pPr indent="0" lvl="0" marL="0" rtl="0" algn="l">
+              <a:spcBef>
+                <a:spcPts val="0"/>
+              </a:spcBef>
+              <a:spcAft>
+                <a:spcPts val="0"/>
+              </a:spcAft>
+              <a:buNone/>
+            </a:pPr>
+            <a:r>
+              <a:rPr lang="en"/>
+              <a:t>Where to Build Relationships?</a:t>
+            </a:r>
+            <a:endParaRPr/>
+          </a:p>
+        </p:txBody>
+      </p:sp>
+      <p:sp>
+        <p:nvSpPr>
+          <p:cNvPr id="114" name="Google Shape;114;p19"/>
+          <p:cNvSpPr txBox="1"/>
+          <p:nvPr>
+            <p:ph idx="1" type="body"/>
+          </p:nvPr>
+        </p:nvSpPr>
+        <p:spPr>
+          <a:xfrm>
+            <a:off x="387900" y="2933250"/>
+            <a:ext cx="3999900" cy="1635600"/>
+          </a:xfrm>
+          <a:prstGeom prst="rect">
+            <a:avLst/>
+          </a:prstGeom>
+        </p:spPr>
+        <p:txBody>
+          <a:bodyPr anchorCtr="0" anchor="t" bIns="91425" lIns="91425" spcFirstLastPara="1" rIns="91425" wrap="square" tIns="91425">
+            <a:normAutofit/>
+          </a:bodyPr>
+          <a:lstStyle/>
+          <a:p>
+            <a:pPr indent="0" lvl="0" marL="0" rtl="0" algn="l">
+              <a:spcBef>
+                <a:spcPts val="0"/>
+              </a:spcBef>
+              <a:spcAft>
+                <a:spcPts val="1200"/>
+              </a:spcAft>
+              <a:buNone/>
+            </a:pPr>
+            <a:r>
+              <a:rPr lang="en"/>
+              <a:t>From the 2014 survey, 62 people in tiny companies reported that they </a:t>
+            </a:r>
+            <a:r>
+              <a:rPr lang="en"/>
+              <a:t>developed close relationships with their coworkers. </a:t>
+            </a:r>
+            <a:endParaRPr/>
+          </a:p>
+        </p:txBody>
+      </p:sp>
+      <p:sp>
+        <p:nvSpPr>
+          <p:cNvPr id="115" name="Google Shape;115;p19"/>
+          <p:cNvSpPr txBox="1"/>
+          <p:nvPr>
+            <p:ph idx="12" type="sldNum"/>
+          </p:nvPr>
+        </p:nvSpPr>
+        <p:spPr>
+          <a:xfrm>
+            <a:off x="8472458" y="4663217"/>
+            <a:ext cx="548700" cy="393600"/>
+          </a:xfrm>
+          <a:prstGeom prst="rect">
+            <a:avLst/>
+          </a:prstGeom>
+        </p:spPr>
+        <p:txBody>
+          <a:bodyPr anchorCtr="0" anchor="ctr" bIns="91425" lIns="91425" spcFirstLastPara="1" rIns="91425" wrap="square" tIns="91425">
+            <a:normAutofit/>
+          </a:bodyPr>
+          <a:lstStyle/>
+          <a:p>
+            <a:pPr indent="0" lvl="0" marL="0" rtl="0" algn="r">
+              <a:spcBef>
+                <a:spcPts val="0"/>
+              </a:spcBef>
+              <a:spcAft>
+                <a:spcPts val="0"/>
+              </a:spcAft>
+              <a:buNone/>
+            </a:pPr>
+            <a:fld id="{00000000-1234-1234-1234-123412341234}" type="slidenum">
+              <a:rPr lang="en"/>
+              <a:t>‹#›</a:t>
+            </a:fld>
+            <a:endParaRPr/>
+          </a:p>
+        </p:txBody>
+      </p:sp>
+      <p:sp>
+        <p:nvSpPr>
+          <p:cNvPr id="116" name="Google Shape;116;p19"/>
+          <p:cNvSpPr txBox="1"/>
+          <p:nvPr>
+            <p:ph idx="2" type="body"/>
+          </p:nvPr>
+        </p:nvSpPr>
+        <p:spPr>
+          <a:xfrm>
+            <a:off x="4756200" y="2933125"/>
+            <a:ext cx="3999900" cy="1635600"/>
+          </a:xfrm>
+          <a:prstGeom prst="rect">
+            <a:avLst/>
+          </a:prstGeom>
+        </p:spPr>
+        <p:txBody>
+          <a:bodyPr anchorCtr="0" anchor="t" bIns="91425" lIns="91425" spcFirstLastPara="1" rIns="91425" wrap="square" tIns="91425">
+            <a:normAutofit/>
+          </a:bodyPr>
+          <a:lstStyle/>
+          <a:p>
+            <a:pPr indent="0" lvl="0" marL="0" rtl="0" algn="l">
+              <a:spcBef>
+                <a:spcPts val="0"/>
+              </a:spcBef>
+              <a:spcAft>
+                <a:spcPts val="1200"/>
+              </a:spcAft>
+              <a:buNone/>
+            </a:pPr>
+            <a:r>
+              <a:rPr lang="en"/>
+              <a:t>In larger companies, only 34 people reported that they developed close relationships with their coworkers. </a:t>
+            </a:r>
+            <a:endParaRPr/>
+          </a:p>
+        </p:txBody>
+      </p:sp>
+      <p:sp>
+        <p:nvSpPr>
+          <p:cNvPr id="117" name="Google Shape;117;p19"/>
+          <p:cNvSpPr txBox="1"/>
+          <p:nvPr/>
+        </p:nvSpPr>
+        <p:spPr>
+          <a:xfrm>
+            <a:off x="387900" y="1745475"/>
+            <a:ext cx="8368200" cy="1262100"/>
+          </a:xfrm>
+          <a:prstGeom prst="rect">
+            <a:avLst/>
+          </a:prstGeom>
+          <a:noFill/>
+          <a:ln>
+            <a:noFill/>
+          </a:ln>
+        </p:spPr>
+        <p:txBody>
+          <a:bodyPr anchorCtr="0" anchor="t" bIns="91425" lIns="91425" spcFirstLastPara="1" rIns="91425" wrap="square" tIns="91425">
+            <a:spAutoFit/>
+          </a:bodyPr>
+          <a:lstStyle/>
+          <a:p>
+            <a:pPr indent="0" lvl="0" marL="0" rtl="0" algn="l">
+              <a:spcBef>
+                <a:spcPts val="0"/>
+              </a:spcBef>
+              <a:spcAft>
+                <a:spcPts val="0"/>
+              </a:spcAft>
+              <a:buNone/>
+            </a:pPr>
+            <a:r>
+              <a:rPr lang="en">
+                <a:solidFill>
+                  <a:schemeClr val="dk1"/>
+                </a:solidFill>
+                <a:latin typeface="Roboto"/>
+                <a:ea typeface="Roboto"/>
+                <a:cs typeface="Roboto"/>
+                <a:sym typeface="Roboto"/>
+              </a:rPr>
+              <a:t>Would it be </a:t>
+            </a:r>
+            <a:r>
+              <a:rPr lang="en">
+                <a:solidFill>
+                  <a:schemeClr val="dk1"/>
+                </a:solidFill>
+                <a:latin typeface="Roboto"/>
+                <a:ea typeface="Roboto"/>
+                <a:cs typeface="Roboto"/>
+                <a:sym typeface="Roboto"/>
+              </a:rPr>
+              <a:t>conducive</a:t>
+            </a:r>
+            <a:r>
+              <a:rPr lang="en">
+                <a:solidFill>
+                  <a:schemeClr val="dk1"/>
+                </a:solidFill>
+                <a:latin typeface="Roboto"/>
+                <a:ea typeface="Roboto"/>
+                <a:cs typeface="Roboto"/>
+                <a:sym typeface="Roboto"/>
+              </a:rPr>
+              <a:t> to build strong coworker relationships in a large </a:t>
+            </a:r>
+            <a:r>
+              <a:rPr lang="en">
+                <a:solidFill>
+                  <a:schemeClr val="dk1"/>
+                </a:solidFill>
+                <a:latin typeface="Roboto"/>
+                <a:ea typeface="Roboto"/>
+                <a:cs typeface="Roboto"/>
+                <a:sym typeface="Roboto"/>
+              </a:rPr>
+              <a:t>company</a:t>
+            </a:r>
+            <a:r>
+              <a:rPr lang="en">
+                <a:solidFill>
+                  <a:schemeClr val="dk1"/>
+                </a:solidFill>
+                <a:latin typeface="Roboto"/>
+                <a:ea typeface="Roboto"/>
+                <a:cs typeface="Roboto"/>
+                <a:sym typeface="Roboto"/>
+              </a:rPr>
+              <a:t> or in a small one? On one hand, large companies have more employees, which provide more opportunities and more people to develop relationships with. On the other hand, however, a small company will provide a more close-knit environment, which may be better for developing relationships with colleagues. So which one should you choose?</a:t>
+            </a:r>
+            <a:endParaRPr>
+              <a:solidFill>
+                <a:schemeClr val="dk1"/>
+              </a:solidFill>
+              <a:latin typeface="Roboto"/>
+              <a:ea typeface="Roboto"/>
+              <a:cs typeface="Roboto"/>
+              <a:sym typeface="Roboto"/>
+            </a:endParaRPr>
+          </a:p>
+        </p:txBody>
+      </p:sp>
+    </p:spTree>
+  </p:cSld>
+  <p:clrMapOvr>
+    <a:masterClrMapping/>
+  </p:clrMapOvr>
+</p:sld>
+</file>
+
+<file path=ppt/slides/slide8.xml><?xml version="1.0" encoding="utf-8"?>
+<p:sld xmlns:a="http://schemas.openxmlformats.org/drawingml/2006/main" xmlns:r="http://schemas.openxmlformats.org/officeDocument/2006/relationships" xmlns:mc="http://schemas.openxmlformats.org/markup-compatibility/2006" xmlns:mv="urn:schemas-microsoft-com:mac:vml" xmlns:p="http://schemas.openxmlformats.org/presentationml/2006/main" xmlns:c="http://schemas.openxmlformats.org/drawingml/2006/chart" xmlns:dgm="http://schemas.openxmlformats.org/drawingml/2006/diagram" xmlns:o="urn:schemas-microsoft-com:office:office" xmlns:v="urn:schemas-microsoft-com:vml" xmlns:pvml="urn:schemas-microsoft-com:office:powerpoint" xmlns:com="http://schemas.openxmlformats.org/drawingml/2006/compatibility" xmlns:p14="http://schemas.microsoft.com/office/powerpoint/2010/main" xmlns:p15="http://schemas.microsoft.com/office/powerpoint/2012/main" xmlns:ahyp="http://schemas.microsoft.com/office/drawing/2018/hyperlinkcolor">
+  <p:cSld>
+    <p:spTree>
+      <p:nvGrpSpPr>
+        <p:cNvPr id="121" name="Shape 121"/>
+        <p:cNvGrpSpPr/>
+        <p:nvPr/>
+      </p:nvGrpSpPr>
+      <p:grpSpPr>
+        <a:xfrm>
+          <a:off x="0" y="0"/>
+          <a:ext cx="0" cy="0"/>
+          <a:chOff x="0" y="0"/>
+          <a:chExt cx="0" cy="0"/>
+        </a:xfrm>
+      </p:grpSpPr>
+      <p:sp>
+        <p:nvSpPr>
+          <p:cNvPr id="122" name="Google Shape;122;p20"/>
+          <p:cNvSpPr txBox="1"/>
+          <p:nvPr>
+            <p:ph type="title"/>
+          </p:nvPr>
+        </p:nvSpPr>
+        <p:spPr>
+          <a:xfrm>
+            <a:off x="387900" y="458025"/>
+            <a:ext cx="8368200" cy="686100"/>
+          </a:xfrm>
+          <a:prstGeom prst="rect">
+            <a:avLst/>
+          </a:prstGeom>
+        </p:spPr>
+        <p:txBody>
+          <a:bodyPr anchorCtr="0" anchor="b" bIns="91425" lIns="91425" spcFirstLastPara="1" rIns="91425" wrap="square" tIns="91425">
+            <a:normAutofit fontScale="90000"/>
+          </a:bodyPr>
+          <a:lstStyle/>
+          <a:p>
+            <a:pPr indent="0" lvl="0" marL="0" rtl="0" algn="l">
+              <a:spcBef>
+                <a:spcPts val="0"/>
+              </a:spcBef>
+              <a:spcAft>
+                <a:spcPts val="0"/>
+              </a:spcAft>
+              <a:buNone/>
+            </a:pPr>
+            <a:r>
+              <a:rPr lang="en"/>
+              <a:t>Correlation Between Company Size and Mental Health Consequences</a:t>
+            </a:r>
+            <a:endParaRPr/>
+          </a:p>
+        </p:txBody>
+      </p:sp>
+      <p:sp>
+        <p:nvSpPr>
+          <p:cNvPr id="123" name="Google Shape;123;p20"/>
+          <p:cNvSpPr txBox="1"/>
+          <p:nvPr>
+            <p:ph idx="1" type="body"/>
+          </p:nvPr>
+        </p:nvSpPr>
+        <p:spPr>
+          <a:xfrm>
+            <a:off x="387900" y="1489825"/>
+            <a:ext cx="3999900" cy="3078900"/>
+          </a:xfrm>
+          <a:prstGeom prst="rect">
+            <a:avLst/>
+          </a:prstGeom>
+        </p:spPr>
+        <p:txBody>
+          <a:bodyPr anchorCtr="0" anchor="t" bIns="91425" lIns="91425" spcFirstLastPara="1" rIns="91425" wrap="square" tIns="91425">
+            <a:normAutofit/>
+          </a:bodyPr>
+          <a:lstStyle/>
+          <a:p>
+            <a:pPr indent="0" lvl="0" marL="0" rtl="0" algn="l">
+              <a:spcBef>
+                <a:spcPts val="0"/>
+              </a:spcBef>
+              <a:spcAft>
+                <a:spcPts val="0"/>
+              </a:spcAft>
+              <a:buNone/>
+            </a:pPr>
+            <a:r>
+              <a:rPr lang="en"/>
+              <a:t>Being in a bustling work </a:t>
+            </a:r>
+            <a:r>
+              <a:rPr lang="en"/>
+              <a:t>environment lends itself to a multitude of benefits, but how does the size of a company impact the mental health of its employees? </a:t>
+            </a:r>
+            <a:endParaRPr/>
+          </a:p>
+          <a:p>
+            <a:pPr indent="0" lvl="0" marL="0" rtl="0" algn="l">
+              <a:spcBef>
+                <a:spcPts val="1200"/>
+              </a:spcBef>
+              <a:spcAft>
+                <a:spcPts val="1200"/>
+              </a:spcAft>
+              <a:buNone/>
+            </a:pPr>
+            <a:r>
+              <a:rPr lang="en"/>
+              <a:t>After splitting the data by company sizes ranging from tiny, (6-25 employees), to large, (&gt;1000 employees), it was further reduced by mental health condition.  Shown are the percentages of employees with mental health effects, organized by company size. </a:t>
+            </a:r>
+            <a:endParaRPr/>
+          </a:p>
+        </p:txBody>
+      </p:sp>
+      <p:sp>
+        <p:nvSpPr>
+          <p:cNvPr id="124" name="Google Shape;124;p20"/>
+          <p:cNvSpPr txBox="1"/>
+          <p:nvPr>
+            <p:ph idx="12" type="sldNum"/>
+          </p:nvPr>
+        </p:nvSpPr>
+        <p:spPr>
+          <a:xfrm>
+            <a:off x="8472458" y="4663217"/>
+            <a:ext cx="548700" cy="393600"/>
+          </a:xfrm>
+          <a:prstGeom prst="rect">
+            <a:avLst/>
+          </a:prstGeom>
+        </p:spPr>
+        <p:txBody>
+          <a:bodyPr anchorCtr="0" anchor="ctr" bIns="91425" lIns="91425" spcFirstLastPara="1" rIns="91425" wrap="square" tIns="91425">
+            <a:normAutofit/>
+          </a:bodyPr>
+          <a:lstStyle/>
+          <a:p>
+            <a:pPr indent="0" lvl="0" marL="0" rtl="0" algn="r">
+              <a:spcBef>
+                <a:spcPts val="0"/>
+              </a:spcBef>
+              <a:spcAft>
+                <a:spcPts val="0"/>
+              </a:spcAft>
+              <a:buNone/>
+            </a:pPr>
+            <a:fld id="{00000000-1234-1234-1234-123412341234}" type="slidenum">
+              <a:rPr lang="en"/>
+              <a:t>‹#›</a:t>
+            </a:fld>
+            <a:endParaRPr/>
+          </a:p>
+        </p:txBody>
+      </p:sp>
+      <p:pic>
+        <p:nvPicPr>
+          <p:cNvPr id="125" name="Google Shape;125;p20"/>
+          <p:cNvPicPr preferRelativeResize="0"/>
+          <p:nvPr/>
+        </p:nvPicPr>
+        <p:blipFill>
+          <a:blip r:embed="rId3">
+            <a:alphaModFix/>
+          </a:blip>
+          <a:stretch>
+            <a:fillRect/>
+          </a:stretch>
+        </p:blipFill>
+        <p:spPr>
+          <a:xfrm>
+            <a:off x="6004950" y="3648550"/>
+            <a:ext cx="2668150" cy="1415400"/>
+          </a:xfrm>
+          <a:prstGeom prst="rect">
+            <a:avLst/>
+          </a:prstGeom>
+          <a:noFill/>
+          <a:ln>
+            <a:noFill/>
+          </a:ln>
+        </p:spPr>
+      </p:pic>
+      <p:pic>
+        <p:nvPicPr>
+          <p:cNvPr id="126" name="Google Shape;126;p20"/>
+          <p:cNvPicPr preferRelativeResize="0"/>
+          <p:nvPr/>
+        </p:nvPicPr>
+        <p:blipFill>
+          <a:blip r:embed="rId4">
+            <a:alphaModFix/>
+          </a:blip>
+          <a:stretch>
+            <a:fillRect/>
+          </a:stretch>
+        </p:blipFill>
+        <p:spPr>
+          <a:xfrm>
+            <a:off x="6004950" y="634375"/>
+            <a:ext cx="2668150" cy="1616469"/>
+          </a:xfrm>
+          <a:prstGeom prst="rect">
+            <a:avLst/>
+          </a:prstGeom>
+          <a:noFill/>
+          <a:ln>
+            <a:noFill/>
+          </a:ln>
+        </p:spPr>
+      </p:pic>
+      <p:pic>
+        <p:nvPicPr>
+          <p:cNvPr id="127" name="Google Shape;127;p20"/>
+          <p:cNvPicPr preferRelativeResize="0"/>
+          <p:nvPr/>
+        </p:nvPicPr>
+        <p:blipFill>
+          <a:blip r:embed="rId5">
+            <a:alphaModFix/>
+          </a:blip>
+          <a:stretch>
+            <a:fillRect/>
+          </a:stretch>
+        </p:blipFill>
+        <p:spPr>
+          <a:xfrm>
+            <a:off x="4387800" y="2055325"/>
+            <a:ext cx="2668150" cy="1593216"/>
           </a:xfrm>
           <a:prstGeom prst="rect">
             <a:avLst/>
@@ -9270,7 +9741,7 @@
             </a:pPr>
             <a:r>
               <a:rPr lang="en"/>
-              <a:t>Large vs. Small Companies: How to Choose?</a:t>
+              <a:t>Company Size vs. Mental Health, cont. </a:t>
             </a:r>
             <a:endParaRPr/>
           </a:p>
@@ -9286,8 +9757,8 @@
         </p:nvSpPr>
         <p:spPr>
           <a:xfrm>
-            <a:off x="387900" y="1489824"/>
-            <a:ext cx="8368200" cy="3078900"/>
+            <a:off x="387900" y="1489825"/>
+            <a:ext cx="3999900" cy="3078900"/>
           </a:xfrm>
           <a:prstGeom prst="rect">
             <a:avLst/>
@@ -9295,7 +9766,7 @@
         </p:spPr>
         <p:txBody>
           <a:bodyPr anchorCtr="0" anchor="t" bIns="91425" lIns="91425" spcFirstLastPara="1" rIns="91425" wrap="square" tIns="91425">
-            <a:normAutofit fontScale="92500" lnSpcReduction="20000"/>
+            <a:normAutofit lnSpcReduction="10000"/>
           </a:bodyPr>
           <a:lstStyle/>
           <a:p>
@@ -9310,7 +9781,7 @@
             </a:pPr>
             <a:r>
               <a:rPr lang="en"/>
-              <a:t>Following the analysis of the 2014 dataset, one can find themselves facing an important question: Would it be better for my mental health to work in a small company or a large one? </a:t>
+              <a:t>After calculating the number of people who developed mental health issues in each size company, it was found that the greatest percentage of workers in small companies had no mental health issues, while the greater percentage of employees in large companies suffered critical mental health consequences. 19% of tiny companies had large effects, while 28.7% large companies had those same effects. </a:t>
             </a:r>
             <a:endParaRPr/>
           </a:p>
@@ -9320,45 +9791,13 @@
                 <a:spcPts val="1200"/>
               </a:spcBef>
               <a:spcAft>
-                <a:spcPts val="0"/>
+                <a:spcPts val="1200"/>
               </a:spcAft>
               <a:buNone/>
             </a:pPr>
             <a:r>
               <a:rPr lang="en"/>
-              <a:t>While the studies shown above have proved that an employee in a larger firm is more </a:t>
-            </a:r>
-            <a:r>
-              <a:rPr lang="en"/>
-              <a:t>susceptible</a:t>
-            </a:r>
-            <a:r>
-              <a:rPr lang="en"/>
-              <a:t> to suffer from mental health issues, the difference in the consequences between tiny and large companies is only 9.7%. However, large companies allow one to develop close relationships with coworkers. The difference in consequences between close and nonexistent </a:t>
-            </a:r>
-            <a:r>
-              <a:rPr lang="en"/>
-              <a:t>relationships</a:t>
-            </a:r>
-            <a:r>
-              <a:rPr lang="en"/>
-              <a:t> is 48.6%. </a:t>
-            </a:r>
-            <a:endParaRPr/>
-          </a:p>
-          <a:p>
-            <a:pPr indent="0" lvl="0" marL="0" rtl="0" algn="l">
-              <a:spcBef>
-                <a:spcPts val="1200"/>
-              </a:spcBef>
-              <a:spcAft>
-                <a:spcPts val="1200"/>
-              </a:spcAft>
-              <a:buNone/>
-            </a:pPr>
-            <a:r>
-              <a:rPr lang="en"/>
-              <a:t>After observing these statistics, one may find that a larger company will provide more benefits towards the mental health of its employees. </a:t>
+              <a:t>Analysis shows that there is a strong correlation between a company’s size and the mental health of its employees. </a:t>
             </a:r>
             <a:endParaRPr/>
           </a:p>
@@ -9369,6 +9808,45 @@
           <p:cNvPr id="134" name="Google Shape;134;p21"/>
           <p:cNvSpPr txBox="1"/>
           <p:nvPr>
+            <p:ph idx="2" type="body"/>
+          </p:nvPr>
+        </p:nvSpPr>
+        <p:spPr>
+          <a:xfrm>
+            <a:off x="4756200" y="1489825"/>
+            <a:ext cx="3999900" cy="3078900"/>
+          </a:xfrm>
+          <a:prstGeom prst="rect">
+            <a:avLst/>
+          </a:prstGeom>
+        </p:spPr>
+        <p:txBody>
+          <a:bodyPr anchorCtr="0" anchor="t" bIns="91425" lIns="91425" spcFirstLastPara="1" rIns="91425" wrap="square" tIns="91425">
+            <a:normAutofit/>
+          </a:bodyPr>
+          <a:lstStyle/>
+          <a:p>
+            <a:pPr indent="0" lvl="0" marL="0" rtl="0" algn="l">
+              <a:spcBef>
+                <a:spcPts val="0"/>
+              </a:spcBef>
+              <a:spcAft>
+                <a:spcPts val="1200"/>
+              </a:spcAft>
+              <a:buNone/>
+            </a:pPr>
+            <a:r>
+              <a:t/>
+            </a:r>
+            <a:endParaRPr/>
+          </a:p>
+        </p:txBody>
+      </p:sp>
+      <p:sp>
+        <p:nvSpPr>
+          <p:cNvPr id="135" name="Google Shape;135;p21"/>
+          <p:cNvSpPr txBox="1"/>
+          <p:nvPr>
             <p:ph idx="12" type="sldNum"/>
           </p:nvPr>
         </p:nvSpPr>
@@ -9404,6 +9882,34 @@
           </a:p>
         </p:txBody>
       </p:sp>
+      <p:pic>
+        <p:nvPicPr>
+          <p:cNvPr id="136" name="Google Shape;136;p21"/>
+          <p:cNvPicPr preferRelativeResize="0"/>
+          <p:nvPr/>
+        </p:nvPicPr>
+        <p:blipFill>
+          <a:blip r:embed="rId3">
+            <a:alphaModFix/>
+          </a:blip>
+          <a:stretch>
+            <a:fillRect/>
+          </a:stretch>
+        </p:blipFill>
+        <p:spPr>
+          <a:xfrm>
+            <a:off x="4625925" y="1384755"/>
+            <a:ext cx="4130174" cy="3183970"/>
+          </a:xfrm>
+          <a:prstGeom prst="rect">
+            <a:avLst/>
+          </a:prstGeom>
+          <a:noFill/>
+          <a:ln>
+            <a:noFill/>
+          </a:ln>
+        </p:spPr>
+      </p:pic>
     </p:spTree>
   </p:cSld>
   <p:clrMapOvr>
